--- a/cai-shioya-01.pptx
+++ b/cai-shioya-01.pptx
@@ -5,7 +5,7 @@
     <p:sldMasterId id="2147483664" r:id="rId1"/>
   </p:sldMasterIdLst>
   <p:notesMasterIdLst>
-    <p:notesMasterId r:id="rId49"/>
+    <p:notesMasterId r:id="rId52"/>
   </p:notesMasterIdLst>
   <p:sldIdLst>
     <p:sldId id="455" r:id="rId2"/>
@@ -44,22 +44,25 @@
     <p:sldId id="676" r:id="rId35"/>
     <p:sldId id="684" r:id="rId36"/>
     <p:sldId id="686" r:id="rId37"/>
-    <p:sldId id="685" r:id="rId38"/>
-    <p:sldId id="688" r:id="rId39"/>
-    <p:sldId id="691" r:id="rId40"/>
-    <p:sldId id="671" r:id="rId41"/>
-    <p:sldId id="651" r:id="rId42"/>
-    <p:sldId id="652" r:id="rId43"/>
-    <p:sldId id="653" r:id="rId44"/>
-    <p:sldId id="670" r:id="rId45"/>
-    <p:sldId id="654" r:id="rId46"/>
-    <p:sldId id="693" r:id="rId47"/>
-    <p:sldId id="696" r:id="rId48"/>
+    <p:sldId id="703" r:id="rId38"/>
+    <p:sldId id="702" r:id="rId39"/>
+    <p:sldId id="701" r:id="rId40"/>
+    <p:sldId id="685" r:id="rId41"/>
+    <p:sldId id="688" r:id="rId42"/>
+    <p:sldId id="691" r:id="rId43"/>
+    <p:sldId id="671" r:id="rId44"/>
+    <p:sldId id="651" r:id="rId45"/>
+    <p:sldId id="652" r:id="rId46"/>
+    <p:sldId id="653" r:id="rId47"/>
+    <p:sldId id="670" r:id="rId48"/>
+    <p:sldId id="654" r:id="rId49"/>
+    <p:sldId id="693" r:id="rId50"/>
+    <p:sldId id="696" r:id="rId51"/>
   </p:sldIdLst>
   <p:sldSz cx="9144000" cy="6858000" type="screen4x3"/>
   <p:notesSz cx="6858000" cy="9144000"/>
   <p:custDataLst>
-    <p:tags r:id="rId50"/>
+    <p:tags r:id="rId53"/>
   </p:custDataLst>
   <p:defaultTextStyle>
     <a:defPPr>
@@ -197,6 +200,9 @@
             <p14:sldId id="676"/>
             <p14:sldId id="684"/>
             <p14:sldId id="686"/>
+            <p14:sldId id="703"/>
+            <p14:sldId id="702"/>
+            <p14:sldId id="701"/>
             <p14:sldId id="685"/>
             <p14:sldId id="688"/>
             <p14:sldId id="691"/>
@@ -312,7 +318,7 @@
           <a:p>
             <a:fld id="{BC56210E-A5EE-4707-8EFD-B2050EBAA0B3}" type="datetimeFigureOut">
               <a:rPr kumimoji="1" lang="ja-JP" altLang="en-US" smtClean="0"/>
-              <a:t>2024/5/7</a:t>
+              <a:t>2025/4/15</a:t>
             </a:fld>
             <a:endParaRPr kumimoji="1" lang="ja-JP" altLang="en-US"/>
           </a:p>
@@ -2894,14 +2900,14 @@
           <a:p>
             <a:r>
               <a:rPr kumimoji="1" lang="ja-JP" altLang="en-US" dirty="0"/>
-              <a:t>必修で１年生の時にやっていると聞いたので，</a:t>
+              <a:t>以下の内容は必修で１年生の時にやっていると聞いているので，</a:t>
             </a:r>
             <a:br>
               <a:rPr kumimoji="1" lang="en-US" altLang="ja-JP" dirty="0"/>
             </a:br>
             <a:r>
               <a:rPr kumimoji="1" lang="ja-JP" altLang="en-US" dirty="0"/>
-              <a:t>以下の基本のきがわかっている前提で進めます</a:t>
+              <a:t>これらの基本がわかっている前提で進めます</a:t>
             </a:r>
             <a:endParaRPr kumimoji="1" lang="en-US" altLang="ja-JP" dirty="0"/>
           </a:p>
@@ -2922,13 +2928,6 @@
             <a:r>
               <a:rPr kumimoji="1" lang="ja-JP" altLang="en-US" dirty="0"/>
               <a:t>論理回路</a:t>
-            </a:r>
-            <a:endParaRPr kumimoji="1" lang="en-US" altLang="ja-JP" dirty="0"/>
-          </a:p>
-          <a:p>
-            <a:r>
-              <a:rPr kumimoji="1" lang="ja-JP" altLang="en-US" dirty="0"/>
-              <a:t>（と言う予定なんですが，大丈夫でしょうか？</a:t>
             </a:r>
             <a:endParaRPr kumimoji="1" lang="en-US" dirty="0"/>
           </a:p>
@@ -3052,7 +3051,14 @@
             <a:pPr lvl="2"/>
             <a:r>
               <a:rPr kumimoji="1" lang="ja-JP" altLang="en-US" dirty="0"/>
-              <a:t>第１回目は課題がありませんが，次回以降は課題を出す予定です</a:t>
+              <a:t>第１回目は課題がありませんが，</a:t>
+            </a:r>
+            <a:br>
+              <a:rPr kumimoji="1" lang="en-US" altLang="ja-JP" dirty="0"/>
+            </a:br>
+            <a:r>
+              <a:rPr kumimoji="1" lang="ja-JP" altLang="en-US" dirty="0"/>
+              <a:t>次回以降は課題を出す予定です</a:t>
             </a:r>
             <a:endParaRPr kumimoji="1" lang="en-US" altLang="ja-JP" dirty="0"/>
           </a:p>
@@ -3159,14 +3165,6 @@
               <a:t>普段の課題も成績に入れる予定です</a:t>
             </a:r>
             <a:endParaRPr kumimoji="1" lang="en-US" altLang="ja-JP" dirty="0"/>
-          </a:p>
-          <a:p>
-            <a:pPr lvl="1"/>
-            <a:r>
-              <a:rPr kumimoji="1" lang="ja-JP" altLang="en-US" dirty="0"/>
-              <a:t>･･･ が，試行錯誤して色々変更になるかもしれません</a:t>
-            </a:r>
-            <a:endParaRPr kumimoji="1" lang="en-US" dirty="0"/>
           </a:p>
         </p:txBody>
       </p:sp>
@@ -3235,10 +3233,10 @@
           <a:lstStyle/>
           <a:p>
             <a:r>
-              <a:rPr lang="ja-JP" altLang="en-US" dirty="0"/>
+              <a:rPr lang="ja-JP" altLang="en-US" sz="2800" dirty="0"/>
               <a:t>コンピュータ・アーキテクチャとは</a:t>
             </a:r>
-            <a:endParaRPr lang="en-US" dirty="0"/>
+            <a:endParaRPr lang="en-US" sz="2800" dirty="0"/>
           </a:p>
         </p:txBody>
       </p:sp>
@@ -7027,7 +7025,14 @@
             <a:pPr lvl="1"/>
             <a:r>
               <a:rPr kumimoji="1" lang="ja-JP" altLang="en-US" sz="1600" dirty="0"/>
-              <a:t>効果は特定アプリケーションのみだが，改善量が大きい</a:t>
+              <a:t>効果は特定アプリケーションのみだが，</a:t>
+            </a:r>
+            <a:br>
+              <a:rPr kumimoji="1" lang="en-US" altLang="ja-JP" sz="1600" dirty="0"/>
+            </a:br>
+            <a:r>
+              <a:rPr kumimoji="1" lang="ja-JP" altLang="en-US" sz="1600" dirty="0"/>
+              <a:t>改善量が大きい</a:t>
             </a:r>
             <a:endParaRPr kumimoji="1" lang="en-US" altLang="ja-JP" sz="1600" dirty="0"/>
           </a:p>
@@ -7035,7 +7040,14 @@
             <a:pPr lvl="1"/>
             <a:r>
               <a:rPr kumimoji="1" lang="ja-JP" altLang="en-US" sz="1600" dirty="0"/>
-              <a:t>たとえば，あるアプリケーションを数倍～１桁速く出来れば凄い</a:t>
+              <a:t>たとえば，あるアプリケーションを</a:t>
+            </a:r>
+            <a:br>
+              <a:rPr kumimoji="1" lang="en-US" altLang="ja-JP" sz="1600" dirty="0"/>
+            </a:br>
+            <a:r>
+              <a:rPr kumimoji="1" lang="ja-JP" altLang="en-US" sz="1600" dirty="0"/>
+              <a:t>数倍～１桁速く出来れば凄い</a:t>
             </a:r>
             <a:br>
               <a:rPr kumimoji="1" lang="en-US" altLang="ja-JP" sz="1600" dirty="0"/>
@@ -7056,7 +7068,7 @@
             <a:pPr lvl="1"/>
             <a:r>
               <a:rPr kumimoji="1" lang="ja-JP" altLang="en-US" sz="1600" dirty="0"/>
-              <a:t>効果は広く薄く</a:t>
+              <a:t>効果は広く薄くなりがち</a:t>
             </a:r>
             <a:endParaRPr kumimoji="1" lang="en-US" altLang="ja-JP" sz="1600" dirty="0"/>
           </a:p>
@@ -8919,6 +8931,129 @@
           </p:txBody>
         </p:sp>
       </p:grpSp>
+      <p:sp>
+        <p:nvSpPr>
+          <p:cNvPr id="5" name="四角形: 角を丸くする 4">
+            <a:extLst>
+              <a:ext uri="{FF2B5EF4-FFF2-40B4-BE49-F238E27FC236}">
+                <a16:creationId xmlns:a16="http://schemas.microsoft.com/office/drawing/2014/main" id="{32257707-1DFB-EEBA-FB48-2B600100C0A9}"/>
+              </a:ext>
+            </a:extLst>
+          </p:cNvPr>
+          <p:cNvSpPr/>
+          <p:nvPr/>
+        </p:nvSpPr>
+        <p:spPr bwMode="auto">
+          <a:xfrm>
+            <a:off x="5202007" y="4239009"/>
+            <a:ext cx="3690041" cy="270003"/>
+          </a:xfrm>
+          <a:prstGeom prst="roundRect">
+            <a:avLst/>
+          </a:prstGeom>
+          <a:noFill/>
+          <a:ln>
+            <a:headEnd/>
+            <a:tailEnd type="triangle" w="sm" len="med"/>
+          </a:ln>
+        </p:spPr>
+        <p:style>
+          <a:lnRef idx="2">
+            <a:schemeClr val="accent6"/>
+          </a:lnRef>
+          <a:fillRef idx="1">
+            <a:schemeClr val="lt1"/>
+          </a:fillRef>
+          <a:effectRef idx="0">
+            <a:schemeClr val="accent6"/>
+          </a:effectRef>
+          <a:fontRef idx="minor">
+            <a:schemeClr val="dk1"/>
+          </a:fontRef>
+        </p:style>
+        <p:txBody>
+          <a:bodyPr rot="0" spcFirstLastPara="0" vertOverflow="overflow" horzOverflow="overflow" vert="horz" wrap="none" lIns="91440" tIns="45720" rIns="91440" bIns="45720" numCol="1" spcCol="0" rtlCol="0" fromWordArt="0" anchor="ctr" anchorCtr="0" forceAA="0" compatLnSpc="1">
+            <a:prstTxWarp prst="textNoShape">
+              <a:avLst/>
+            </a:prstTxWarp>
+            <a:noAutofit/>
+          </a:bodyPr>
+          <a:lstStyle/>
+          <a:p>
+            <a:pPr algn="ctr"/>
+            <a:endParaRPr kumimoji="1" lang="en-US" dirty="0">
+              <a:solidFill>
+                <a:schemeClr val="tx1">
+                  <a:lumMod val="75000"/>
+                  <a:lumOff val="25000"/>
+                </a:schemeClr>
+              </a:solidFill>
+              <a:latin typeface="+mn-ea"/>
+            </a:endParaRPr>
+          </a:p>
+        </p:txBody>
+      </p:sp>
+      <p:sp>
+        <p:nvSpPr>
+          <p:cNvPr id="6" name="矢印: 下 5">
+            <a:extLst>
+              <a:ext uri="{FF2B5EF4-FFF2-40B4-BE49-F238E27FC236}">
+                <a16:creationId xmlns:a16="http://schemas.microsoft.com/office/drawing/2014/main" id="{C75B21DE-0863-94FE-65FD-5EA0D374D4C4}"/>
+              </a:ext>
+            </a:extLst>
+          </p:cNvPr>
+          <p:cNvSpPr/>
+          <p:nvPr/>
+        </p:nvSpPr>
+        <p:spPr bwMode="auto">
+          <a:xfrm rot="10800000">
+            <a:off x="6732024" y="4599013"/>
+            <a:ext cx="540006" cy="450005"/>
+          </a:xfrm>
+          <a:prstGeom prst="downArrow">
+            <a:avLst/>
+          </a:prstGeom>
+          <a:ln>
+            <a:headEnd/>
+            <a:tailEnd type="triangle" w="sm" len="med"/>
+          </a:ln>
+        </p:spPr>
+        <p:style>
+          <a:lnRef idx="1">
+            <a:schemeClr val="accent5"/>
+          </a:lnRef>
+          <a:fillRef idx="2">
+            <a:schemeClr val="accent5"/>
+          </a:fillRef>
+          <a:effectRef idx="1">
+            <a:schemeClr val="accent5"/>
+          </a:effectRef>
+          <a:fontRef idx="minor">
+            <a:schemeClr val="dk1"/>
+          </a:fontRef>
+        </p:style>
+        <p:txBody>
+          <a:bodyPr rot="0" spcFirstLastPara="0" vertOverflow="overflow" horzOverflow="overflow" vert="horz" wrap="none" lIns="91440" tIns="45720" rIns="91440" bIns="45720" numCol="1" spcCol="0" rtlCol="0" fromWordArt="0" anchor="ctr" anchorCtr="0" forceAA="0" compatLnSpc="1">
+            <a:prstTxWarp prst="textNoShape">
+              <a:avLst/>
+            </a:prstTxWarp>
+            <a:noAutofit/>
+          </a:bodyPr>
+          <a:lstStyle/>
+          <a:p>
+            <a:pPr algn="ctr"/>
+            <a:endParaRPr kumimoji="1" lang="en-US" dirty="0">
+              <a:solidFill>
+                <a:schemeClr val="tx1">
+                  <a:lumMod val="75000"/>
+                  <a:lumOff val="25000"/>
+                </a:schemeClr>
+              </a:solidFill>
+              <a:latin typeface="+mn-ea"/>
+            </a:endParaRPr>
+          </a:p>
+        </p:txBody>
+      </p:sp>
     </p:spTree>
     <p:extLst>
       <p:ext uri="{BB962C8B-B14F-4D97-AF65-F5344CB8AC3E}">
@@ -9009,7 +9144,14 @@
           <a:p>
             <a:r>
               <a:rPr lang="ja-JP" altLang="en-US" dirty="0"/>
-              <a:t>応用系や基盤系の中にも，応用よりや基盤よりの部分がある</a:t>
+              <a:t>応用系や基盤系の中にも，それぞれ応用よりや基盤よりの</a:t>
+            </a:r>
+            <a:br>
+              <a:rPr lang="en-US" altLang="ja-JP" dirty="0"/>
+            </a:br>
+            <a:r>
+              <a:rPr lang="ja-JP" altLang="en-US" dirty="0"/>
+              <a:t>部分がある</a:t>
             </a:r>
             <a:endParaRPr lang="en-US" altLang="ja-JP" dirty="0"/>
           </a:p>
@@ -9352,7 +9494,7 @@
             <a:pPr lvl="2"/>
             <a:r>
               <a:rPr kumimoji="1" lang="ja-JP" altLang="en-US" dirty="0"/>
-              <a:t>なんかこう言う分類が一般にされているかもぐらい</a:t>
+              <a:t>なんかこう言う分類が一般にされているかも，ぐらい</a:t>
             </a:r>
             <a:endParaRPr kumimoji="1" lang="en-US" dirty="0"/>
           </a:p>
@@ -9606,7 +9748,7 @@
             <a:pPr lvl="1"/>
             <a:r>
               <a:rPr kumimoji="1" lang="ja-JP" altLang="en-US" dirty="0"/>
-              <a:t>エンジンなどの制御は全部コンピュータで行われている</a:t>
+              <a:t>エンジンなどの制御は現代では全部コンピュータで行われている</a:t>
             </a:r>
             <a:endParaRPr kumimoji="1" lang="en-US" altLang="ja-JP" dirty="0"/>
           </a:p>
@@ -9637,7 +9779,14 @@
             <a:pPr lvl="1"/>
             <a:r>
               <a:rPr kumimoji="1" lang="ja-JP" altLang="en-US" dirty="0"/>
-              <a:t>「スーパーコンピュータを背負って走っている」と言われることもあるぐらい</a:t>
+              <a:t>「スーパーコンピュータを背負って走っている」と</a:t>
+            </a:r>
+            <a:br>
+              <a:rPr kumimoji="1" lang="en-US" altLang="ja-JP" dirty="0"/>
+            </a:br>
+            <a:r>
+              <a:rPr kumimoji="1" lang="ja-JP" altLang="en-US" dirty="0"/>
+              <a:t>言われることもあるぐらい</a:t>
             </a:r>
             <a:endParaRPr kumimoji="1" lang="en-US" dirty="0"/>
           </a:p>
@@ -10036,7 +10185,7 @@
             <a:pPr lvl="1"/>
             <a:r>
               <a:rPr lang="en-US" dirty="0"/>
-              <a:t>PS5, XBOX ONE </a:t>
+              <a:t>PS5 </a:t>
             </a:r>
             <a:r>
               <a:rPr lang="ja-JP" altLang="en-US" dirty="0"/>
@@ -10056,7 +10205,14 @@
             </a:r>
             <a:r>
               <a:rPr lang="ja-JP" altLang="en-US" dirty="0"/>
-              <a:t>は スマホとかなり似てる</a:t>
+              <a:t>は スマホやタブレットとかなり中身が</a:t>
+            </a:r>
+            <a:br>
+              <a:rPr lang="en-US" altLang="ja-JP" dirty="0"/>
+            </a:br>
+            <a:r>
+              <a:rPr lang="ja-JP" altLang="en-US" dirty="0"/>
+              <a:t>似ている</a:t>
             </a:r>
             <a:endParaRPr lang="en-US" altLang="ja-JP" dirty="0"/>
           </a:p>
@@ -10443,7 +10599,19 @@
             <a:pPr lvl="1"/>
             <a:r>
               <a:rPr kumimoji="1" lang="ja-JP" altLang="en-US" sz="1800" dirty="0"/>
-              <a:t>いかに多くの計算量をさばくかを重視</a:t>
+              <a:t>いかに多くの計算</a:t>
+            </a:r>
+            <a:r>
+              <a:rPr kumimoji="1" lang="ja-JP" altLang="en-US" sz="1800" dirty="0">
+                <a:solidFill>
+                  <a:schemeClr val="accent6"/>
+                </a:solidFill>
+              </a:rPr>
+              <a:t>「量」</a:t>
+            </a:r>
+            <a:r>
+              <a:rPr kumimoji="1" lang="ja-JP" altLang="en-US" sz="1800" dirty="0"/>
+              <a:t>をさばくかを重視</a:t>
             </a:r>
             <a:endParaRPr kumimoji="1" lang="en-US" altLang="ja-JP" sz="1800" dirty="0"/>
           </a:p>
@@ -10490,7 +10658,19 @@
             <a:pPr lvl="1"/>
             <a:r>
               <a:rPr kumimoji="1" lang="ja-JP" altLang="en-US" sz="1800" dirty="0"/>
-              <a:t>量は多くないが，いかに速く計算を終わらせる事を重視</a:t>
+              <a:t>量は多くないが，いかに</a:t>
+            </a:r>
+            <a:r>
+              <a:rPr kumimoji="1" lang="ja-JP" altLang="en-US" sz="1800" dirty="0">
+                <a:solidFill>
+                  <a:schemeClr val="accent6"/>
+                </a:solidFill>
+              </a:rPr>
+              <a:t>「短時間で」</a:t>
+            </a:r>
+            <a:r>
+              <a:rPr kumimoji="1" lang="ja-JP" altLang="en-US" sz="1800" dirty="0"/>
+              <a:t>計算を終わらせられるかを重視</a:t>
             </a:r>
             <a:endParaRPr kumimoji="1" lang="en-US" altLang="ja-JP" sz="1800" dirty="0"/>
           </a:p>
@@ -10879,7 +11059,7 @@
             <a:pPr lvl="1"/>
             <a:r>
               <a:rPr kumimoji="1" lang="ja-JP" altLang="en-US" sz="1800" dirty="0"/>
-              <a:t>京はここに設置されていた先代のスーパーコンピュータ</a:t>
+              <a:t>「京」はここに設置されていた先代のスーパーコンピュータ</a:t>
             </a:r>
             <a:endParaRPr kumimoji="1" lang="en-US" altLang="ja-JP" sz="1800" dirty="0"/>
           </a:p>
@@ -11010,7 +11190,7 @@
           <p:cNvPr id="2" name="タイトル 1">
             <a:extLst>
               <a:ext uri="{FF2B5EF4-FFF2-40B4-BE49-F238E27FC236}">
-                <a16:creationId xmlns:a16="http://schemas.microsoft.com/office/drawing/2014/main" id="{E64DCC62-1385-B160-8E70-E9D3C43C9F20}"/>
+                <a16:creationId xmlns:a16="http://schemas.microsoft.com/office/drawing/2014/main" id="{6F34AA57-5E99-3EFF-120A-18B6C2D046A4}"/>
               </a:ext>
             </a:extLst>
           </p:cNvPr>
@@ -11027,8 +11207,12 @@
           <a:lstStyle/>
           <a:p>
             <a:r>
-              <a:rPr kumimoji="1" lang="ja-JP" altLang="en-US" dirty="0"/>
-              <a:t>コンピュータの種類とアーキテクチャ</a:t>
+              <a:rPr kumimoji="1" lang="en-US" altLang="ja-JP" dirty="0"/>
+              <a:t>AI </a:t>
+            </a:r>
+            <a:r>
+              <a:rPr kumimoji="1" lang="ja-JP" altLang="en-US" dirty="0"/>
+              <a:t>の処理を行うコンピュータはどうなのか？</a:t>
             </a:r>
             <a:endParaRPr kumimoji="1" lang="en-US" dirty="0"/>
           </a:p>
@@ -11039,7 +11223,7 @@
           <p:cNvPr id="3" name="コンテンツ プレースホルダー 2">
             <a:extLst>
               <a:ext uri="{FF2B5EF4-FFF2-40B4-BE49-F238E27FC236}">
-                <a16:creationId xmlns:a16="http://schemas.microsoft.com/office/drawing/2014/main" id="{18DF5167-9AD6-B3CB-2A7F-0899AC607003}"/>
+                <a16:creationId xmlns:a16="http://schemas.microsoft.com/office/drawing/2014/main" id="{8D52B255-7891-6BB7-F403-CDCA676E1B8C}"/>
               </a:ext>
             </a:extLst>
           </p:cNvPr>
@@ -11056,8 +11240,12 @@
           <a:lstStyle/>
           <a:p>
             <a:r>
-              <a:rPr kumimoji="1" lang="ja-JP" altLang="en-US" dirty="0"/>
-              <a:t>さまざまなコンピュータが存在</a:t>
+              <a:rPr kumimoji="1" lang="en-US" altLang="ja-JP" dirty="0"/>
+              <a:t>AI </a:t>
+            </a:r>
+            <a:r>
+              <a:rPr kumimoji="1" lang="ja-JP" altLang="en-US" dirty="0"/>
+              <a:t>の処理の中身：</a:t>
             </a:r>
             <a:endParaRPr kumimoji="1" lang="en-US" altLang="ja-JP" dirty="0"/>
           </a:p>
@@ -11065,156 +11253,55 @@
             <a:pPr lvl="1"/>
             <a:r>
               <a:rPr kumimoji="1" lang="ja-JP" altLang="en-US" dirty="0"/>
-              <a:t>値段も数十円から数千億円まで</a:t>
+              <a:t>ニューラルネットの処理の大部分は「行列積」に落とし込まれる</a:t>
             </a:r>
             <a:endParaRPr kumimoji="1" lang="en-US" altLang="ja-JP" dirty="0"/>
           </a:p>
           <a:p>
             <a:pPr lvl="1"/>
             <a:r>
-              <a:rPr kumimoji="1" lang="ja-JP" altLang="en-US" dirty="0"/>
-              <a:t>それぞれの応用に合わせたアーキテクチャがある</a:t>
-            </a:r>
-            <a:endParaRPr kumimoji="1" lang="en-US" altLang="ja-JP" dirty="0"/>
-          </a:p>
-          <a:p>
-            <a:r>
-              <a:rPr kumimoji="1" lang="ja-JP" altLang="en-US" dirty="0"/>
-              <a:t>色々なコンピュータで何がどう違うのかを理解するのも</a:t>
+              <a:rPr kumimoji="1" lang="en-US" altLang="ja-JP" dirty="0"/>
+              <a:t>AI </a:t>
+            </a:r>
+            <a:r>
+              <a:rPr kumimoji="1" lang="ja-JP" altLang="en-US" dirty="0"/>
+              <a:t>専用コンピュータ </a:t>
+            </a:r>
+            <a:r>
+              <a:rPr kumimoji="1" lang="en-US" altLang="ja-JP" dirty="0"/>
+              <a:t>= </a:t>
             </a:r>
             <a:br>
               <a:rPr kumimoji="1" lang="en-US" altLang="ja-JP" dirty="0"/>
             </a:br>
             <a:r>
               <a:rPr kumimoji="1" lang="ja-JP" altLang="en-US" dirty="0"/>
-              <a:t>この講義の目的</a:t>
+              <a:t>概ね巨大な行列積に特化したコンピュータ</a:t>
             </a:r>
             <a:endParaRPr kumimoji="1" lang="en-US" altLang="ja-JP" dirty="0"/>
           </a:p>
           <a:p>
+            <a:pPr lvl="2"/>
             <a:r>
               <a:rPr lang="ja-JP" altLang="en-US" dirty="0"/>
-              <a:t>みんな基本的には</a:t>
-            </a:r>
-            <a:br>
+              <a:t>（</a:t>
+            </a:r>
+            <a:r>
               <a:rPr lang="en-US" altLang="ja-JP" dirty="0"/>
-            </a:br>
+              <a:t>2025</a:t>
+            </a:r>
             <a:r>
               <a:rPr lang="ja-JP" altLang="en-US" dirty="0"/>
-              <a:t>「ノイマン型アーキテクチャ」に従う</a:t>
-            </a:r>
-            <a:endParaRPr lang="en-US" altLang="ja-JP" dirty="0"/>
-          </a:p>
-          <a:p>
-            <a:pPr lvl="1"/>
-            <a:r>
-              <a:rPr lang="en-US" altLang="ja-JP" b="0" i="0" dirty="0">
-                <a:effectLst/>
-                <a:latin typeface="Arial" panose="020B0604020202020204" pitchFamily="34" charset="0"/>
-              </a:rPr>
-              <a:t>John von Neumann (1903</a:t>
-            </a:r>
-            <a:r>
-              <a:rPr lang="ja-JP" altLang="en-US" b="0" i="0" dirty="0">
-                <a:effectLst/>
-                <a:latin typeface="Arial" panose="020B0604020202020204" pitchFamily="34" charset="0"/>
-              </a:rPr>
-              <a:t>年 </a:t>
-            </a:r>
-            <a:r>
-              <a:rPr lang="en-US" altLang="ja-JP" b="0" i="0" dirty="0">
-                <a:effectLst/>
-                <a:latin typeface="Arial" panose="020B0604020202020204" pitchFamily="34" charset="0"/>
-              </a:rPr>
-              <a:t>- 1957</a:t>
-            </a:r>
-            <a:r>
-              <a:rPr lang="ja-JP" altLang="en-US" b="0" i="0" dirty="0">
-                <a:effectLst/>
-                <a:latin typeface="Arial" panose="020B0604020202020204" pitchFamily="34" charset="0"/>
-              </a:rPr>
-              <a:t>年</a:t>
-            </a:r>
-            <a:r>
-              <a:rPr lang="en-US" altLang="ja-JP" b="0" i="0" dirty="0">
-                <a:effectLst/>
-                <a:latin typeface="Arial" panose="020B0604020202020204" pitchFamily="34" charset="0"/>
-              </a:rPr>
-              <a:t>)</a:t>
-            </a:r>
-          </a:p>
-          <a:p>
-            <a:pPr lvl="1"/>
-            <a:r>
-              <a:rPr lang="ja-JP" altLang="en-US" b="0" i="0" dirty="0">
-                <a:effectLst/>
-                <a:latin typeface="Arial" panose="020B0604020202020204" pitchFamily="34" charset="0"/>
-              </a:rPr>
-              <a:t>（写真は </a:t>
-            </a:r>
-            <a:r>
-              <a:rPr lang="en-US" altLang="ja-JP" b="0" i="0" dirty="0">
-                <a:effectLst/>
-                <a:latin typeface="Arial" panose="020B0604020202020204" pitchFamily="34" charset="0"/>
-              </a:rPr>
-              <a:t>Wikipedia </a:t>
-            </a:r>
-            <a:r>
-              <a:rPr lang="ja-JP" altLang="en-US" b="0" i="0" dirty="0">
-                <a:effectLst/>
-                <a:latin typeface="Arial" panose="020B0604020202020204" pitchFamily="34" charset="0"/>
-              </a:rPr>
-              <a:t>より</a:t>
-            </a:r>
-            <a:endParaRPr lang="en-US" altLang="ja-JP" b="0" i="0" dirty="0">
-              <a:effectLst/>
-              <a:latin typeface="Arial" panose="020B0604020202020204" pitchFamily="34" charset="0"/>
-            </a:endParaRPr>
-          </a:p>
-          <a:p>
-            <a:pPr lvl="1"/>
-            <a:r>
-              <a:rPr kumimoji="1" lang="ja-JP" altLang="en-US" dirty="0"/>
-              <a:t>次回以降で説明</a:t>
+              <a:t>年 現在は</a:t>
             </a:r>
             <a:endParaRPr kumimoji="1" lang="en-US" altLang="ja-JP" dirty="0"/>
           </a:p>
         </p:txBody>
       </p:sp>
-      <p:pic>
-        <p:nvPicPr>
-          <p:cNvPr id="5" name="図 4">
-            <a:extLst>
-              <a:ext uri="{FF2B5EF4-FFF2-40B4-BE49-F238E27FC236}">
-                <a16:creationId xmlns:a16="http://schemas.microsoft.com/office/drawing/2014/main" id="{513F4158-1C5A-F868-26D5-F1B241992F92}"/>
-              </a:ext>
-            </a:extLst>
-          </p:cNvPr>
-          <p:cNvPicPr>
-            <a:picLocks noChangeAspect="1"/>
-          </p:cNvPicPr>
-          <p:nvPr/>
-        </p:nvPicPr>
-        <p:blipFill>
-          <a:blip r:embed="rId2"/>
-          <a:stretch>
-            <a:fillRect/>
-          </a:stretch>
-        </p:blipFill>
-        <p:spPr>
-          <a:xfrm>
-            <a:off x="6282019" y="4149008"/>
-            <a:ext cx="1800020" cy="2351150"/>
-          </a:xfrm>
-          <a:prstGeom prst="rect">
-            <a:avLst/>
-          </a:prstGeom>
-        </p:spPr>
-      </p:pic>
     </p:spTree>
     <p:extLst>
       <p:ext uri="{BB962C8B-B14F-4D97-AF65-F5344CB8AC3E}">
-        <p14:creationId xmlns:p14="http://schemas.microsoft.com/office/powerpoint/2010/main" val="358615949"/>
+        <p14:creationId xmlns:p14="http://schemas.microsoft.com/office/powerpoint/2010/main" val="4231385133"/>
       </p:ext>
     </p:extLst>
   </p:cSld>
@@ -11254,7 +11341,7 @@
           <p:cNvPr id="2" name="タイトル 1">
             <a:extLst>
               <a:ext uri="{FF2B5EF4-FFF2-40B4-BE49-F238E27FC236}">
-                <a16:creationId xmlns:a16="http://schemas.microsoft.com/office/drawing/2014/main" id="{04B60392-9052-F165-8AA7-A79BDF09E84B}"/>
+                <a16:creationId xmlns:a16="http://schemas.microsoft.com/office/drawing/2014/main" id="{6F34AA57-5E99-3EFF-120A-18B6C2D046A4}"/>
               </a:ext>
             </a:extLst>
           </p:cNvPr>
@@ -11271,8 +11358,12 @@
           <a:lstStyle/>
           <a:p>
             <a:r>
-              <a:rPr kumimoji="1" lang="ja-JP" altLang="en-US" dirty="0"/>
-              <a:t>もくじ</a:t>
+              <a:rPr kumimoji="1" lang="en-US" altLang="ja-JP" dirty="0"/>
+              <a:t>AI </a:t>
+            </a:r>
+            <a:r>
+              <a:rPr kumimoji="1" lang="ja-JP" altLang="en-US" dirty="0"/>
+              <a:t>の処理を行うコンピュータはどうなのか？</a:t>
             </a:r>
             <a:endParaRPr kumimoji="1" lang="en-US" dirty="0"/>
           </a:p>
@@ -11283,7 +11374,7 @@
           <p:cNvPr id="3" name="コンテンツ プレースホルダー 2">
             <a:extLst>
               <a:ext uri="{FF2B5EF4-FFF2-40B4-BE49-F238E27FC236}">
-                <a16:creationId xmlns:a16="http://schemas.microsoft.com/office/drawing/2014/main" id="{F06D2B40-1D86-5495-30D8-A6ABBE7E9BF8}"/>
+                <a16:creationId xmlns:a16="http://schemas.microsoft.com/office/drawing/2014/main" id="{8D52B255-7891-6BB7-F403-CDCA676E1B8C}"/>
               </a:ext>
             </a:extLst>
           </p:cNvPr>
@@ -11299,52 +11390,86 @@
           <a:bodyPr/>
           <a:lstStyle/>
           <a:p>
-            <a:pPr marL="457200" indent="-457200">
-              <a:buFont typeface="+mj-lt"/>
-              <a:buAutoNum type="arabicPeriod"/>
-            </a:pPr>
-            <a:r>
-              <a:rPr kumimoji="1" lang="ja-JP" altLang="en-US" dirty="0"/>
-              <a:t>コンピュータ・アーキテクチャとは？</a:t>
+            <a:r>
+              <a:rPr kumimoji="1" lang="ja-JP" altLang="en-US" dirty="0"/>
+              <a:t>学習：</a:t>
             </a:r>
             <a:endParaRPr kumimoji="1" lang="en-US" altLang="ja-JP" dirty="0"/>
           </a:p>
           <a:p>
-            <a:pPr marL="457200" indent="-457200">
-              <a:buFont typeface="+mj-lt"/>
-              <a:buAutoNum type="arabicPeriod"/>
-            </a:pPr>
-            <a:r>
-              <a:rPr kumimoji="1" lang="ja-JP" altLang="en-US" dirty="0"/>
-              <a:t>コンピュータの種類</a:t>
+            <a:pPr lvl="1"/>
+            <a:r>
+              <a:rPr kumimoji="1" lang="ja-JP" altLang="en-US" dirty="0"/>
+              <a:t>典型的にはデータセンターのサーバー上で学習が行われる</a:t>
             </a:r>
             <a:endParaRPr kumimoji="1" lang="en-US" altLang="ja-JP" dirty="0"/>
           </a:p>
           <a:p>
-            <a:pPr marL="457200" indent="-457200">
-              <a:buFont typeface="+mj-lt"/>
-              <a:buAutoNum type="arabicPeriod"/>
-            </a:pPr>
-            <a:r>
-              <a:rPr kumimoji="1" lang="ja-JP" altLang="en-US" dirty="0">
-                <a:solidFill>
-                  <a:schemeClr val="accent6"/>
-                </a:solidFill>
-              </a:rPr>
-              <a:t>ソフトウェアとの関係</a:t>
-            </a:r>
-            <a:endParaRPr kumimoji="1" lang="en-US" dirty="0">
-              <a:solidFill>
-                <a:schemeClr val="accent6"/>
-              </a:solidFill>
-            </a:endParaRPr>
+            <a:pPr lvl="2"/>
+            <a:r>
+              <a:rPr kumimoji="1" lang="en-US" altLang="ja-JP" dirty="0"/>
+              <a:t>GPU </a:t>
+            </a:r>
+            <a:r>
+              <a:rPr kumimoji="1" lang="ja-JP" altLang="en-US" dirty="0"/>
+              <a:t>と言われるタイプのコンピュータがよく使われる</a:t>
+            </a:r>
+            <a:endParaRPr kumimoji="1" lang="en-US" altLang="ja-JP" dirty="0"/>
+          </a:p>
+          <a:p>
+            <a:pPr lvl="2"/>
+            <a:r>
+              <a:rPr lang="en-US" altLang="ja-JP" dirty="0"/>
+              <a:t>GPU </a:t>
+            </a:r>
+            <a:r>
+              <a:rPr lang="ja-JP" altLang="en-US" dirty="0"/>
+              <a:t>は行列積が元々得意</a:t>
+            </a:r>
+            <a:endParaRPr lang="en-US" altLang="ja-JP" dirty="0"/>
+          </a:p>
+          <a:p>
+            <a:pPr lvl="2"/>
+            <a:endParaRPr kumimoji="1" lang="en-US" altLang="ja-JP" dirty="0"/>
+          </a:p>
+          <a:p>
+            <a:pPr lvl="1"/>
+            <a:r>
+              <a:rPr kumimoji="1" lang="ja-JP" altLang="en-US" dirty="0"/>
+              <a:t>スーパーコンピュータに近づきつつある</a:t>
+            </a:r>
+            <a:endParaRPr kumimoji="1" lang="en-US" altLang="ja-JP" dirty="0"/>
+          </a:p>
+          <a:p>
+            <a:pPr lvl="2"/>
+            <a:r>
+              <a:rPr kumimoji="1" lang="ja-JP" altLang="en-US" dirty="0"/>
+              <a:t>ニューラルネットの「スケーリング則」</a:t>
+            </a:r>
+            <a:endParaRPr kumimoji="1" lang="en-US" altLang="ja-JP" dirty="0"/>
+          </a:p>
+          <a:p>
+            <a:pPr lvl="3"/>
+            <a:r>
+              <a:rPr kumimoji="1" lang="ja-JP" altLang="en-US" dirty="0"/>
+              <a:t>とにかくモデルやデータを大きくすると強くなる</a:t>
+            </a:r>
+            <a:endParaRPr kumimoji="1" lang="en-US" altLang="ja-JP" dirty="0"/>
+          </a:p>
+          <a:p>
+            <a:pPr lvl="2"/>
+            <a:r>
+              <a:rPr kumimoji="1" lang="ja-JP" altLang="en-US" dirty="0"/>
+              <a:t>大量の学習データを処理する必要がある</a:t>
+            </a:r>
+            <a:endParaRPr kumimoji="1" lang="en-US" altLang="ja-JP" dirty="0"/>
           </a:p>
         </p:txBody>
       </p:sp>
     </p:spTree>
     <p:extLst>
       <p:ext uri="{BB962C8B-B14F-4D97-AF65-F5344CB8AC3E}">
-        <p14:creationId xmlns:p14="http://schemas.microsoft.com/office/powerpoint/2010/main" val="749755960"/>
+        <p14:creationId xmlns:p14="http://schemas.microsoft.com/office/powerpoint/2010/main" val="3287786733"/>
       </p:ext>
     </p:extLst>
   </p:cSld>
@@ -11384,7 +11509,7 @@
           <p:cNvPr id="2" name="タイトル 1">
             <a:extLst>
               <a:ext uri="{FF2B5EF4-FFF2-40B4-BE49-F238E27FC236}">
-                <a16:creationId xmlns:a16="http://schemas.microsoft.com/office/drawing/2014/main" id="{A442F678-82DD-B536-B8DE-4B8BE9FF8133}"/>
+                <a16:creationId xmlns:a16="http://schemas.microsoft.com/office/drawing/2014/main" id="{6F34AA57-5E99-3EFF-120A-18B6C2D046A4}"/>
               </a:ext>
             </a:extLst>
           </p:cNvPr>
@@ -11401,8 +11526,12 @@
           <a:lstStyle/>
           <a:p>
             <a:r>
-              <a:rPr kumimoji="1" lang="ja-JP" altLang="en-US" dirty="0"/>
-              <a:t>なんでアーキテクチャを学ぶのか？</a:t>
+              <a:rPr kumimoji="1" lang="en-US" altLang="ja-JP" dirty="0"/>
+              <a:t>AI </a:t>
+            </a:r>
+            <a:r>
+              <a:rPr kumimoji="1" lang="ja-JP" altLang="en-US" dirty="0"/>
+              <a:t>の処理を行うコンピュータはどうなのか？</a:t>
             </a:r>
             <a:endParaRPr kumimoji="1" lang="en-US" dirty="0"/>
           </a:p>
@@ -11413,7 +11542,7 @@
           <p:cNvPr id="3" name="コンテンツ プレースホルダー 2">
             <a:extLst>
               <a:ext uri="{FF2B5EF4-FFF2-40B4-BE49-F238E27FC236}">
-                <a16:creationId xmlns:a16="http://schemas.microsoft.com/office/drawing/2014/main" id="{61048F9C-2338-B8F0-0DC2-DC4932325144}"/>
+                <a16:creationId xmlns:a16="http://schemas.microsoft.com/office/drawing/2014/main" id="{8D52B255-7891-6BB7-F403-CDCA676E1B8C}"/>
               </a:ext>
             </a:extLst>
           </p:cNvPr>
@@ -11424,19 +11553,14 @@
             <p:ph sz="quarter" idx="10"/>
           </p:nvPr>
         </p:nvSpPr>
-        <p:spPr>
-          <a:xfrm>
-            <a:off x="431954" y="1088974"/>
-            <a:ext cx="8532044" cy="5220058"/>
-          </a:xfrm>
-        </p:spPr>
+        <p:spPr/>
         <p:txBody>
           <a:bodyPr/>
           <a:lstStyle/>
           <a:p>
             <a:r>
               <a:rPr kumimoji="1" lang="ja-JP" altLang="en-US" dirty="0"/>
-              <a:t>ありえる疑問：</a:t>
+              <a:t>推論：</a:t>
             </a:r>
             <a:endParaRPr kumimoji="1" lang="en-US" altLang="ja-JP" dirty="0"/>
           </a:p>
@@ -11444,7 +11568,7 @@
             <a:pPr lvl="1"/>
             <a:r>
               <a:rPr kumimoji="1" lang="ja-JP" altLang="en-US" dirty="0"/>
-              <a:t>将来ソフトを書くことがあっても，別にハードは作らないのでは？</a:t>
+              <a:t>組み込みからサーバーまでかなり広範囲で処理が行われている</a:t>
             </a:r>
             <a:endParaRPr kumimoji="1" lang="en-US" altLang="ja-JP" dirty="0"/>
           </a:p>
@@ -11452,16 +11576,31 @@
             <a:pPr lvl="1"/>
             <a:r>
               <a:rPr kumimoji="1" lang="ja-JP" altLang="en-US" dirty="0"/>
-              <a:t>別にハードの事を理解していなくても問題ないのでは？</a:t>
-            </a:r>
-            <a:endParaRPr kumimoji="1" lang="en-US" dirty="0"/>
+              <a:t>学習と比べると相対的に個々の処理は軽い</a:t>
+            </a:r>
+            <a:endParaRPr kumimoji="1" lang="en-US" altLang="ja-JP" dirty="0"/>
+          </a:p>
+          <a:p>
+            <a:pPr lvl="2"/>
+            <a:r>
+              <a:rPr kumimoji="1" lang="ja-JP" altLang="en-US" dirty="0"/>
+              <a:t>とはいえユーザーからの大量のリクエストに応えるために，結局大量の処理を捌く必要がある</a:t>
+            </a:r>
+            <a:endParaRPr kumimoji="1" lang="en-US" altLang="ja-JP" dirty="0"/>
+          </a:p>
+          <a:p>
+            <a:r>
+              <a:rPr kumimoji="1" lang="ja-JP" altLang="en-US" dirty="0"/>
+              <a:t>急速に状況は変わっているので，これらの内容はすぐ変わるかも</a:t>
+            </a:r>
+            <a:endParaRPr kumimoji="1" lang="en-US" altLang="ja-JP" dirty="0"/>
           </a:p>
         </p:txBody>
       </p:sp>
     </p:spTree>
     <p:extLst>
       <p:ext uri="{BB962C8B-B14F-4D97-AF65-F5344CB8AC3E}">
-        <p14:creationId xmlns:p14="http://schemas.microsoft.com/office/powerpoint/2010/main" val="3362355488"/>
+        <p14:creationId xmlns:p14="http://schemas.microsoft.com/office/powerpoint/2010/main" val="1312322896"/>
       </p:ext>
     </p:extLst>
   </p:cSld>
@@ -12656,6 +12795,497 @@
           <p:cNvPr id="2" name="タイトル 1">
             <a:extLst>
               <a:ext uri="{FF2B5EF4-FFF2-40B4-BE49-F238E27FC236}">
+                <a16:creationId xmlns:a16="http://schemas.microsoft.com/office/drawing/2014/main" id="{E64DCC62-1385-B160-8E70-E9D3C43C9F20}"/>
+              </a:ext>
+            </a:extLst>
+          </p:cNvPr>
+          <p:cNvSpPr>
+            <a:spLocks noGrp="1"/>
+          </p:cNvSpPr>
+          <p:nvPr>
+            <p:ph type="title"/>
+          </p:nvPr>
+        </p:nvSpPr>
+        <p:spPr/>
+        <p:txBody>
+          <a:bodyPr/>
+          <a:lstStyle/>
+          <a:p>
+            <a:r>
+              <a:rPr kumimoji="1" lang="ja-JP" altLang="en-US" dirty="0"/>
+              <a:t>コンピュータの種類とアーキテクチャ</a:t>
+            </a:r>
+            <a:endParaRPr kumimoji="1" lang="en-US" dirty="0"/>
+          </a:p>
+        </p:txBody>
+      </p:sp>
+      <p:sp>
+        <p:nvSpPr>
+          <p:cNvPr id="3" name="コンテンツ プレースホルダー 2">
+            <a:extLst>
+              <a:ext uri="{FF2B5EF4-FFF2-40B4-BE49-F238E27FC236}">
+                <a16:creationId xmlns:a16="http://schemas.microsoft.com/office/drawing/2014/main" id="{18DF5167-9AD6-B3CB-2A7F-0899AC607003}"/>
+              </a:ext>
+            </a:extLst>
+          </p:cNvPr>
+          <p:cNvSpPr>
+            <a:spLocks noGrp="1"/>
+          </p:cNvSpPr>
+          <p:nvPr>
+            <p:ph sz="quarter" idx="10"/>
+          </p:nvPr>
+        </p:nvSpPr>
+        <p:spPr/>
+        <p:txBody>
+          <a:bodyPr/>
+          <a:lstStyle/>
+          <a:p>
+            <a:r>
+              <a:rPr kumimoji="1" lang="ja-JP" altLang="en-US" dirty="0"/>
+              <a:t>さまざまなコンピュータが存在</a:t>
+            </a:r>
+            <a:endParaRPr kumimoji="1" lang="en-US" altLang="ja-JP" dirty="0"/>
+          </a:p>
+          <a:p>
+            <a:pPr lvl="1"/>
+            <a:r>
+              <a:rPr kumimoji="1" lang="ja-JP" altLang="en-US" dirty="0"/>
+              <a:t>値段も数十円から数千億円まで</a:t>
+            </a:r>
+            <a:endParaRPr kumimoji="1" lang="en-US" altLang="ja-JP" dirty="0"/>
+          </a:p>
+          <a:p>
+            <a:pPr lvl="1"/>
+            <a:r>
+              <a:rPr kumimoji="1" lang="ja-JP" altLang="en-US" dirty="0"/>
+              <a:t>それぞれの応用に合わせたアーキテクチャがある</a:t>
+            </a:r>
+            <a:endParaRPr kumimoji="1" lang="en-US" altLang="ja-JP" dirty="0"/>
+          </a:p>
+          <a:p>
+            <a:r>
+              <a:rPr kumimoji="1" lang="ja-JP" altLang="en-US" dirty="0"/>
+              <a:t>色々なコンピュータで何がどう違うのかを理解するのも</a:t>
+            </a:r>
+            <a:br>
+              <a:rPr kumimoji="1" lang="en-US" altLang="ja-JP" dirty="0"/>
+            </a:br>
+            <a:r>
+              <a:rPr kumimoji="1" lang="ja-JP" altLang="en-US" dirty="0"/>
+              <a:t>この講義の目的</a:t>
+            </a:r>
+            <a:endParaRPr kumimoji="1" lang="en-US" altLang="ja-JP" dirty="0"/>
+          </a:p>
+          <a:p>
+            <a:r>
+              <a:rPr lang="ja-JP" altLang="en-US" dirty="0"/>
+              <a:t>みんな基本的には</a:t>
+            </a:r>
+            <a:br>
+              <a:rPr lang="en-US" altLang="ja-JP" dirty="0"/>
+            </a:br>
+            <a:r>
+              <a:rPr lang="ja-JP" altLang="en-US" dirty="0"/>
+              <a:t>「ノイマン型アーキテクチャ」に従う</a:t>
+            </a:r>
+            <a:endParaRPr lang="en-US" altLang="ja-JP" dirty="0"/>
+          </a:p>
+          <a:p>
+            <a:pPr lvl="1"/>
+            <a:r>
+              <a:rPr lang="en-US" altLang="ja-JP" b="0" i="0" dirty="0">
+                <a:effectLst/>
+                <a:latin typeface="Arial" panose="020B0604020202020204" pitchFamily="34" charset="0"/>
+              </a:rPr>
+              <a:t>John von Neumann (1903</a:t>
+            </a:r>
+            <a:r>
+              <a:rPr lang="ja-JP" altLang="en-US" b="0" i="0" dirty="0">
+                <a:effectLst/>
+                <a:latin typeface="Arial" panose="020B0604020202020204" pitchFamily="34" charset="0"/>
+              </a:rPr>
+              <a:t>年 </a:t>
+            </a:r>
+            <a:r>
+              <a:rPr lang="en-US" altLang="ja-JP" b="0" i="0" dirty="0">
+                <a:effectLst/>
+                <a:latin typeface="Arial" panose="020B0604020202020204" pitchFamily="34" charset="0"/>
+              </a:rPr>
+              <a:t>- 1957</a:t>
+            </a:r>
+            <a:r>
+              <a:rPr lang="ja-JP" altLang="en-US" b="0" i="0" dirty="0">
+                <a:effectLst/>
+                <a:latin typeface="Arial" panose="020B0604020202020204" pitchFamily="34" charset="0"/>
+              </a:rPr>
+              <a:t>年</a:t>
+            </a:r>
+            <a:r>
+              <a:rPr lang="en-US" altLang="ja-JP" b="0" i="0" dirty="0">
+                <a:effectLst/>
+                <a:latin typeface="Arial" panose="020B0604020202020204" pitchFamily="34" charset="0"/>
+              </a:rPr>
+              <a:t>)</a:t>
+            </a:r>
+          </a:p>
+          <a:p>
+            <a:pPr lvl="1"/>
+            <a:r>
+              <a:rPr lang="ja-JP" altLang="en-US" b="0" i="0" dirty="0">
+                <a:effectLst/>
+                <a:latin typeface="Arial" panose="020B0604020202020204" pitchFamily="34" charset="0"/>
+              </a:rPr>
+              <a:t>（写真は </a:t>
+            </a:r>
+            <a:r>
+              <a:rPr lang="en-US" altLang="ja-JP" b="0" i="0" dirty="0">
+                <a:effectLst/>
+                <a:latin typeface="Arial" panose="020B0604020202020204" pitchFamily="34" charset="0"/>
+              </a:rPr>
+              <a:t>Wikipedia </a:t>
+            </a:r>
+            <a:r>
+              <a:rPr lang="ja-JP" altLang="en-US" b="0" i="0" dirty="0">
+                <a:effectLst/>
+                <a:latin typeface="Arial" panose="020B0604020202020204" pitchFamily="34" charset="0"/>
+              </a:rPr>
+              <a:t>より</a:t>
+            </a:r>
+            <a:endParaRPr lang="en-US" altLang="ja-JP" b="0" i="0" dirty="0">
+              <a:effectLst/>
+              <a:latin typeface="Arial" panose="020B0604020202020204" pitchFamily="34" charset="0"/>
+            </a:endParaRPr>
+          </a:p>
+          <a:p>
+            <a:pPr lvl="1"/>
+            <a:r>
+              <a:rPr kumimoji="1" lang="ja-JP" altLang="en-US" dirty="0"/>
+              <a:t>次回以降で説明</a:t>
+            </a:r>
+            <a:endParaRPr kumimoji="1" lang="en-US" altLang="ja-JP" dirty="0"/>
+          </a:p>
+        </p:txBody>
+      </p:sp>
+      <p:pic>
+        <p:nvPicPr>
+          <p:cNvPr id="5" name="図 4">
+            <a:extLst>
+              <a:ext uri="{FF2B5EF4-FFF2-40B4-BE49-F238E27FC236}">
+                <a16:creationId xmlns:a16="http://schemas.microsoft.com/office/drawing/2014/main" id="{513F4158-1C5A-F868-26D5-F1B241992F92}"/>
+              </a:ext>
+            </a:extLst>
+          </p:cNvPr>
+          <p:cNvPicPr>
+            <a:picLocks noChangeAspect="1"/>
+          </p:cNvPicPr>
+          <p:nvPr/>
+        </p:nvPicPr>
+        <p:blipFill>
+          <a:blip r:embed="rId2"/>
+          <a:stretch>
+            <a:fillRect/>
+          </a:stretch>
+        </p:blipFill>
+        <p:spPr>
+          <a:xfrm>
+            <a:off x="6282019" y="4149008"/>
+            <a:ext cx="1800020" cy="2351150"/>
+          </a:xfrm>
+          <a:prstGeom prst="rect">
+            <a:avLst/>
+          </a:prstGeom>
+        </p:spPr>
+      </p:pic>
+    </p:spTree>
+    <p:extLst>
+      <p:ext uri="{BB962C8B-B14F-4D97-AF65-F5344CB8AC3E}">
+        <p14:creationId xmlns:p14="http://schemas.microsoft.com/office/powerpoint/2010/main" val="358615949"/>
+      </p:ext>
+    </p:extLst>
+  </p:cSld>
+  <p:clrMapOvr>
+    <a:masterClrMapping/>
+  </p:clrMapOvr>
+  <mc:AlternateContent xmlns:mc="http://schemas.openxmlformats.org/markup-compatibility/2006" xmlns:p14="http://schemas.microsoft.com/office/powerpoint/2010/main">
+    <mc:Choice Requires="p14">
+      <p:transition p14:dur="10"/>
+    </mc:Choice>
+    <mc:Fallback xmlns="">
+      <p:transition/>
+    </mc:Fallback>
+  </mc:AlternateContent>
+</p:sld>
+</file>
+
+<file path=ppt/slides/slide41.xml><?xml version="1.0" encoding="utf-8"?>
+<p:sld xmlns:a="http://schemas.openxmlformats.org/drawingml/2006/main" xmlns:r="http://schemas.openxmlformats.org/officeDocument/2006/relationships" xmlns:p="http://schemas.openxmlformats.org/presentationml/2006/main">
+  <p:cSld>
+    <p:spTree>
+      <p:nvGrpSpPr>
+        <p:cNvPr id="1" name=""/>
+        <p:cNvGrpSpPr/>
+        <p:nvPr/>
+      </p:nvGrpSpPr>
+      <p:grpSpPr>
+        <a:xfrm>
+          <a:off x="0" y="0"/>
+          <a:ext cx="0" cy="0"/>
+          <a:chOff x="0" y="0"/>
+          <a:chExt cx="0" cy="0"/>
+        </a:xfrm>
+      </p:grpSpPr>
+      <p:sp>
+        <p:nvSpPr>
+          <p:cNvPr id="2" name="タイトル 1">
+            <a:extLst>
+              <a:ext uri="{FF2B5EF4-FFF2-40B4-BE49-F238E27FC236}">
+                <a16:creationId xmlns:a16="http://schemas.microsoft.com/office/drawing/2014/main" id="{04B60392-9052-F165-8AA7-A79BDF09E84B}"/>
+              </a:ext>
+            </a:extLst>
+          </p:cNvPr>
+          <p:cNvSpPr>
+            <a:spLocks noGrp="1"/>
+          </p:cNvSpPr>
+          <p:nvPr>
+            <p:ph type="title"/>
+          </p:nvPr>
+        </p:nvSpPr>
+        <p:spPr/>
+        <p:txBody>
+          <a:bodyPr/>
+          <a:lstStyle/>
+          <a:p>
+            <a:r>
+              <a:rPr kumimoji="1" lang="ja-JP" altLang="en-US" dirty="0"/>
+              <a:t>もくじ</a:t>
+            </a:r>
+            <a:endParaRPr kumimoji="1" lang="en-US" dirty="0"/>
+          </a:p>
+        </p:txBody>
+      </p:sp>
+      <p:sp>
+        <p:nvSpPr>
+          <p:cNvPr id="3" name="コンテンツ プレースホルダー 2">
+            <a:extLst>
+              <a:ext uri="{FF2B5EF4-FFF2-40B4-BE49-F238E27FC236}">
+                <a16:creationId xmlns:a16="http://schemas.microsoft.com/office/drawing/2014/main" id="{F06D2B40-1D86-5495-30D8-A6ABBE7E9BF8}"/>
+              </a:ext>
+            </a:extLst>
+          </p:cNvPr>
+          <p:cNvSpPr>
+            <a:spLocks noGrp="1"/>
+          </p:cNvSpPr>
+          <p:nvPr>
+            <p:ph sz="quarter" idx="10"/>
+          </p:nvPr>
+        </p:nvSpPr>
+        <p:spPr/>
+        <p:txBody>
+          <a:bodyPr/>
+          <a:lstStyle/>
+          <a:p>
+            <a:pPr marL="457200" indent="-457200">
+              <a:buFont typeface="+mj-lt"/>
+              <a:buAutoNum type="arabicPeriod"/>
+            </a:pPr>
+            <a:r>
+              <a:rPr kumimoji="1" lang="ja-JP" altLang="en-US" dirty="0"/>
+              <a:t>コンピュータ・アーキテクチャとは？</a:t>
+            </a:r>
+            <a:endParaRPr kumimoji="1" lang="en-US" altLang="ja-JP" dirty="0"/>
+          </a:p>
+          <a:p>
+            <a:pPr marL="457200" indent="-457200">
+              <a:buFont typeface="+mj-lt"/>
+              <a:buAutoNum type="arabicPeriod"/>
+            </a:pPr>
+            <a:r>
+              <a:rPr kumimoji="1" lang="ja-JP" altLang="en-US" dirty="0"/>
+              <a:t>コンピュータの種類</a:t>
+            </a:r>
+            <a:endParaRPr kumimoji="1" lang="en-US" altLang="ja-JP" dirty="0"/>
+          </a:p>
+          <a:p>
+            <a:pPr marL="457200" indent="-457200">
+              <a:buFont typeface="+mj-lt"/>
+              <a:buAutoNum type="arabicPeriod"/>
+            </a:pPr>
+            <a:r>
+              <a:rPr kumimoji="1" lang="ja-JP" altLang="en-US" dirty="0">
+                <a:solidFill>
+                  <a:schemeClr val="accent6"/>
+                </a:solidFill>
+              </a:rPr>
+              <a:t>ソフトウェアとの関係</a:t>
+            </a:r>
+            <a:endParaRPr kumimoji="1" lang="en-US" dirty="0">
+              <a:solidFill>
+                <a:schemeClr val="accent6"/>
+              </a:solidFill>
+            </a:endParaRPr>
+          </a:p>
+        </p:txBody>
+      </p:sp>
+    </p:spTree>
+    <p:extLst>
+      <p:ext uri="{BB962C8B-B14F-4D97-AF65-F5344CB8AC3E}">
+        <p14:creationId xmlns:p14="http://schemas.microsoft.com/office/powerpoint/2010/main" val="749755960"/>
+      </p:ext>
+    </p:extLst>
+  </p:cSld>
+  <p:clrMapOvr>
+    <a:masterClrMapping/>
+  </p:clrMapOvr>
+  <mc:AlternateContent xmlns:mc="http://schemas.openxmlformats.org/markup-compatibility/2006" xmlns:p14="http://schemas.microsoft.com/office/powerpoint/2010/main">
+    <mc:Choice Requires="p14">
+      <p:transition p14:dur="10"/>
+    </mc:Choice>
+    <mc:Fallback xmlns="">
+      <p:transition/>
+    </mc:Fallback>
+  </mc:AlternateContent>
+</p:sld>
+</file>
+
+<file path=ppt/slides/slide42.xml><?xml version="1.0" encoding="utf-8"?>
+<p:sld xmlns:a="http://schemas.openxmlformats.org/drawingml/2006/main" xmlns:r="http://schemas.openxmlformats.org/officeDocument/2006/relationships" xmlns:p="http://schemas.openxmlformats.org/presentationml/2006/main">
+  <p:cSld>
+    <p:spTree>
+      <p:nvGrpSpPr>
+        <p:cNvPr id="1" name=""/>
+        <p:cNvGrpSpPr/>
+        <p:nvPr/>
+      </p:nvGrpSpPr>
+      <p:grpSpPr>
+        <a:xfrm>
+          <a:off x="0" y="0"/>
+          <a:ext cx="0" cy="0"/>
+          <a:chOff x="0" y="0"/>
+          <a:chExt cx="0" cy="0"/>
+        </a:xfrm>
+      </p:grpSpPr>
+      <p:sp>
+        <p:nvSpPr>
+          <p:cNvPr id="2" name="タイトル 1">
+            <a:extLst>
+              <a:ext uri="{FF2B5EF4-FFF2-40B4-BE49-F238E27FC236}">
+                <a16:creationId xmlns:a16="http://schemas.microsoft.com/office/drawing/2014/main" id="{A442F678-82DD-B536-B8DE-4B8BE9FF8133}"/>
+              </a:ext>
+            </a:extLst>
+          </p:cNvPr>
+          <p:cNvSpPr>
+            <a:spLocks noGrp="1"/>
+          </p:cNvSpPr>
+          <p:nvPr>
+            <p:ph type="title"/>
+          </p:nvPr>
+        </p:nvSpPr>
+        <p:spPr/>
+        <p:txBody>
+          <a:bodyPr/>
+          <a:lstStyle/>
+          <a:p>
+            <a:r>
+              <a:rPr kumimoji="1" lang="ja-JP" altLang="en-US" dirty="0"/>
+              <a:t>なんでアーキテクチャを学ぶのか？</a:t>
+            </a:r>
+            <a:endParaRPr kumimoji="1" lang="en-US" dirty="0"/>
+          </a:p>
+        </p:txBody>
+      </p:sp>
+      <p:sp>
+        <p:nvSpPr>
+          <p:cNvPr id="3" name="コンテンツ プレースホルダー 2">
+            <a:extLst>
+              <a:ext uri="{FF2B5EF4-FFF2-40B4-BE49-F238E27FC236}">
+                <a16:creationId xmlns:a16="http://schemas.microsoft.com/office/drawing/2014/main" id="{61048F9C-2338-B8F0-0DC2-DC4932325144}"/>
+              </a:ext>
+            </a:extLst>
+          </p:cNvPr>
+          <p:cNvSpPr>
+            <a:spLocks noGrp="1"/>
+          </p:cNvSpPr>
+          <p:nvPr>
+            <p:ph sz="quarter" idx="10"/>
+          </p:nvPr>
+        </p:nvSpPr>
+        <p:spPr>
+          <a:xfrm>
+            <a:off x="431954" y="1088974"/>
+            <a:ext cx="8532044" cy="5220058"/>
+          </a:xfrm>
+        </p:spPr>
+        <p:txBody>
+          <a:bodyPr/>
+          <a:lstStyle/>
+          <a:p>
+            <a:r>
+              <a:rPr kumimoji="1" lang="ja-JP" altLang="en-US" dirty="0"/>
+              <a:t>ありえる疑問：</a:t>
+            </a:r>
+            <a:endParaRPr kumimoji="1" lang="en-US" altLang="ja-JP" dirty="0"/>
+          </a:p>
+          <a:p>
+            <a:pPr lvl="1"/>
+            <a:r>
+              <a:rPr kumimoji="1" lang="ja-JP" altLang="en-US" dirty="0"/>
+              <a:t>将来ソフトを書くことがあっても，別にハードは作らないのでは？</a:t>
+            </a:r>
+            <a:endParaRPr kumimoji="1" lang="en-US" altLang="ja-JP" dirty="0"/>
+          </a:p>
+          <a:p>
+            <a:pPr lvl="1"/>
+            <a:r>
+              <a:rPr kumimoji="1" lang="ja-JP" altLang="en-US" dirty="0"/>
+              <a:t>別にハードの事を理解していなくても問題ないのでは？</a:t>
+            </a:r>
+            <a:endParaRPr kumimoji="1" lang="en-US" dirty="0"/>
+          </a:p>
+        </p:txBody>
+      </p:sp>
+    </p:spTree>
+    <p:extLst>
+      <p:ext uri="{BB962C8B-B14F-4D97-AF65-F5344CB8AC3E}">
+        <p14:creationId xmlns:p14="http://schemas.microsoft.com/office/powerpoint/2010/main" val="3362355488"/>
+      </p:ext>
+    </p:extLst>
+  </p:cSld>
+  <p:clrMapOvr>
+    <a:masterClrMapping/>
+  </p:clrMapOvr>
+  <mc:AlternateContent xmlns:mc="http://schemas.openxmlformats.org/markup-compatibility/2006" xmlns:p14="http://schemas.microsoft.com/office/powerpoint/2010/main">
+    <mc:Choice Requires="p14">
+      <p:transition p14:dur="10"/>
+    </mc:Choice>
+    <mc:Fallback xmlns="">
+      <p:transition/>
+    </mc:Fallback>
+  </mc:AlternateContent>
+</p:sld>
+</file>
+
+<file path=ppt/slides/slide43.xml><?xml version="1.0" encoding="utf-8"?>
+<p:sld xmlns:a="http://schemas.openxmlformats.org/drawingml/2006/main" xmlns:r="http://schemas.openxmlformats.org/officeDocument/2006/relationships" xmlns:p="http://schemas.openxmlformats.org/presentationml/2006/main">
+  <p:cSld>
+    <p:spTree>
+      <p:nvGrpSpPr>
+        <p:cNvPr id="1" name=""/>
+        <p:cNvGrpSpPr/>
+        <p:nvPr/>
+      </p:nvGrpSpPr>
+      <p:grpSpPr>
+        <a:xfrm>
+          <a:off x="0" y="0"/>
+          <a:ext cx="0" cy="0"/>
+          <a:chOff x="0" y="0"/>
+          <a:chExt cx="0" cy="0"/>
+        </a:xfrm>
+      </p:grpSpPr>
+      <p:sp>
+        <p:nvSpPr>
+          <p:cNvPr id="2" name="タイトル 1">
+            <a:extLst>
+              <a:ext uri="{FF2B5EF4-FFF2-40B4-BE49-F238E27FC236}">
                 <a16:creationId xmlns:a16="http://schemas.microsoft.com/office/drawing/2014/main" id="{BD9566DA-37A9-7889-B4CA-D93CC06A4040}"/>
               </a:ext>
             </a:extLst>
@@ -12811,7 +13441,7 @@
 </p:sld>
 </file>
 
-<file path=ppt/slides/slide41.xml><?xml version="1.0" encoding="utf-8"?>
+<file path=ppt/slides/slide44.xml><?xml version="1.0" encoding="utf-8"?>
 <p:sld xmlns:a="http://schemas.openxmlformats.org/drawingml/2006/main" xmlns:r="http://schemas.openxmlformats.org/officeDocument/2006/relationships" xmlns:p="http://schemas.openxmlformats.org/presentationml/2006/main">
   <p:cSld>
     <p:spTree>
@@ -13279,7 +13909,7 @@
 </p:sld>
 </file>
 
-<file path=ppt/slides/slide42.xml><?xml version="1.0" encoding="utf-8"?>
+<file path=ppt/slides/slide45.xml><?xml version="1.0" encoding="utf-8"?>
 <p:sld xmlns:a="http://schemas.openxmlformats.org/drawingml/2006/main" xmlns:r="http://schemas.openxmlformats.org/officeDocument/2006/relationships" xmlns:p="http://schemas.openxmlformats.org/presentationml/2006/main">
   <p:cSld>
     <p:spTree>
@@ -14632,7 +15262,7 @@
 </p:sld>
 </file>
 
-<file path=ppt/slides/slide43.xml><?xml version="1.0" encoding="utf-8"?>
+<file path=ppt/slides/slide46.xml><?xml version="1.0" encoding="utf-8"?>
 <p:sld xmlns:a="http://schemas.openxmlformats.org/drawingml/2006/main" xmlns:r="http://schemas.openxmlformats.org/officeDocument/2006/relationships" xmlns:p="http://schemas.openxmlformats.org/presentationml/2006/main">
   <p:cSld>
     <p:spTree>
@@ -15245,7 +15875,7 @@
 </p:sld>
 </file>
 
-<file path=ppt/slides/slide44.xml><?xml version="1.0" encoding="utf-8"?>
+<file path=ppt/slides/slide47.xml><?xml version="1.0" encoding="utf-8"?>
 <p:sld xmlns:a="http://schemas.openxmlformats.org/drawingml/2006/main" xmlns:r="http://schemas.openxmlformats.org/officeDocument/2006/relationships" xmlns:p="http://schemas.openxmlformats.org/presentationml/2006/main">
   <p:cSld>
     <p:spTree>
@@ -16358,7 +16988,7 @@
 </p:sld>
 </file>
 
-<file path=ppt/slides/slide45.xml><?xml version="1.0" encoding="utf-8"?>
+<file path=ppt/slides/slide48.xml><?xml version="1.0" encoding="utf-8"?>
 <p:sld xmlns:a="http://schemas.openxmlformats.org/drawingml/2006/main" xmlns:r="http://schemas.openxmlformats.org/officeDocument/2006/relationships" xmlns:p="http://schemas.openxmlformats.org/presentationml/2006/main">
   <p:cSld>
     <p:spTree>
@@ -16460,13 +17090,24 @@
               <a:rPr kumimoji="1" lang="ja-JP" altLang="en-US" dirty="0"/>
               <a:t>，コンパイラの仕組みを理解してないとわからい事が多い</a:t>
             </a:r>
-            <a:br>
-              <a:rPr kumimoji="1" lang="en-US" altLang="ja-JP" dirty="0"/>
-            </a:br>
             <a:endParaRPr kumimoji="1" lang="en-US" altLang="ja-JP" dirty="0"/>
           </a:p>
           <a:p>
+            <a:r>
+              <a:rPr kumimoji="1" lang="ja-JP" altLang="en-US" dirty="0"/>
+              <a:t>例えば前のページの速度差は「キャッシュ」と言う仕組みに由来</a:t>
+            </a:r>
+            <a:endParaRPr kumimoji="1" lang="en-US" altLang="ja-JP" dirty="0"/>
+          </a:p>
+          <a:p>
             <a:pPr lvl="1"/>
+            <a:r>
+              <a:rPr kumimoji="1" lang="ja-JP" altLang="en-US" dirty="0"/>
+              <a:t>これは色々なところで顔を出してくる</a:t>
+            </a:r>
+            <a:endParaRPr kumimoji="1" lang="en-US" altLang="ja-JP" dirty="0"/>
+          </a:p>
+          <a:p>
             <a:r>
               <a:rPr kumimoji="1" lang="ja-JP" altLang="en-US" dirty="0"/>
               <a:t>これらの事を理解するためにはハードや </a:t>
@@ -16482,12 +17123,12 @@
             <a:endParaRPr kumimoji="1" lang="en-US" altLang="ja-JP" dirty="0"/>
           </a:p>
           <a:p>
-            <a:pPr lvl="2"/>
+            <a:pPr lvl="1"/>
             <a:r>
               <a:rPr kumimoji="1" lang="ja-JP" altLang="en-US" dirty="0"/>
               <a:t>一流になるか二流になるかの違いになりえる</a:t>
             </a:r>
-            <a:endParaRPr kumimoji="1" lang="en-US" dirty="0"/>
+            <a:endParaRPr kumimoji="1" lang="en-US" altLang="ja-JP" dirty="0"/>
           </a:p>
         </p:txBody>
       </p:sp>
@@ -16512,7 +17153,7 @@
 </p:sld>
 </file>
 
-<file path=ppt/slides/slide46.xml><?xml version="1.0" encoding="utf-8"?>
+<file path=ppt/slides/slide49.xml><?xml version="1.0" encoding="utf-8"?>
 <p:sld xmlns:a="http://schemas.openxmlformats.org/drawingml/2006/main" xmlns:r="http://schemas.openxmlformats.org/officeDocument/2006/relationships" xmlns:p="http://schemas.openxmlformats.org/presentationml/2006/main">
   <p:cSld>
     <p:spTree>
@@ -16615,137 +17256,6 @@
     <p:extLst>
       <p:ext uri="{BB962C8B-B14F-4D97-AF65-F5344CB8AC3E}">
         <p14:creationId xmlns:p14="http://schemas.microsoft.com/office/powerpoint/2010/main" val="4262575850"/>
-      </p:ext>
-    </p:extLst>
-  </p:cSld>
-  <p:clrMapOvr>
-    <a:masterClrMapping/>
-  </p:clrMapOvr>
-  <mc:AlternateContent xmlns:mc="http://schemas.openxmlformats.org/markup-compatibility/2006" xmlns:p14="http://schemas.microsoft.com/office/powerpoint/2010/main">
-    <mc:Choice Requires="p14">
-      <p:transition p14:dur="10"/>
-    </mc:Choice>
-    <mc:Fallback xmlns="">
-      <p:transition/>
-    </mc:Fallback>
-  </mc:AlternateContent>
-</p:sld>
-</file>
-
-<file path=ppt/slides/slide47.xml><?xml version="1.0" encoding="utf-8"?>
-<p:sld xmlns:a="http://schemas.openxmlformats.org/drawingml/2006/main" xmlns:r="http://schemas.openxmlformats.org/officeDocument/2006/relationships" xmlns:p="http://schemas.openxmlformats.org/presentationml/2006/main">
-  <p:cSld>
-    <p:spTree>
-      <p:nvGrpSpPr>
-        <p:cNvPr id="1" name=""/>
-        <p:cNvGrpSpPr/>
-        <p:nvPr/>
-      </p:nvGrpSpPr>
-      <p:grpSpPr>
-        <a:xfrm>
-          <a:off x="0" y="0"/>
-          <a:ext cx="0" cy="0"/>
-          <a:chOff x="0" y="0"/>
-          <a:chExt cx="0" cy="0"/>
-        </a:xfrm>
-      </p:grpSpPr>
-      <p:sp>
-        <p:nvSpPr>
-          <p:cNvPr id="2" name="タイトル 1">
-            <a:extLst>
-              <a:ext uri="{FF2B5EF4-FFF2-40B4-BE49-F238E27FC236}">
-                <a16:creationId xmlns:a16="http://schemas.microsoft.com/office/drawing/2014/main" id="{D21D1C6A-AC4B-359E-389F-80FB0786D10A}"/>
-              </a:ext>
-            </a:extLst>
-          </p:cNvPr>
-          <p:cNvSpPr>
-            <a:spLocks noGrp="1"/>
-          </p:cNvSpPr>
-          <p:nvPr>
-            <p:ph type="title"/>
-          </p:nvPr>
-        </p:nvSpPr>
-        <p:spPr/>
-        <p:txBody>
-          <a:bodyPr/>
-          <a:lstStyle/>
-          <a:p>
-            <a:r>
-              <a:rPr kumimoji="1" lang="ja-JP" altLang="en-US" dirty="0"/>
-              <a:t>課題</a:t>
-            </a:r>
-            <a:endParaRPr kumimoji="1" lang="en-US" dirty="0"/>
-          </a:p>
-        </p:txBody>
-      </p:sp>
-      <p:sp>
-        <p:nvSpPr>
-          <p:cNvPr id="3" name="コンテンツ プレースホルダー 2">
-            <a:extLst>
-              <a:ext uri="{FF2B5EF4-FFF2-40B4-BE49-F238E27FC236}">
-                <a16:creationId xmlns:a16="http://schemas.microsoft.com/office/drawing/2014/main" id="{B171FBA6-7482-3F67-1F81-B0AD70367ED7}"/>
-              </a:ext>
-            </a:extLst>
-          </p:cNvPr>
-          <p:cNvSpPr>
-            <a:spLocks noGrp="1"/>
-          </p:cNvSpPr>
-          <p:nvPr>
-            <p:ph sz="quarter" idx="10"/>
-          </p:nvPr>
-        </p:nvSpPr>
-        <p:spPr/>
-        <p:txBody>
-          <a:bodyPr/>
-          <a:lstStyle/>
-          <a:p>
-            <a:r>
-              <a:rPr kumimoji="1" lang="ja-JP" altLang="en-US" dirty="0"/>
-              <a:t>感想や質問を投稿してください</a:t>
-            </a:r>
-            <a:endParaRPr kumimoji="1" lang="en-US" altLang="ja-JP" dirty="0"/>
-          </a:p>
-          <a:p>
-            <a:pPr lvl="1"/>
-            <a:r>
-              <a:rPr kumimoji="1" lang="en-US" altLang="ja-JP" dirty="0"/>
-              <a:t>Moodle </a:t>
-            </a:r>
-            <a:r>
-              <a:rPr kumimoji="1" lang="ja-JP" altLang="en-US" dirty="0"/>
-              <a:t>の「感想や質問」のところからお願いします</a:t>
-            </a:r>
-            <a:endParaRPr kumimoji="1" lang="en-US" altLang="ja-JP" dirty="0"/>
-          </a:p>
-          <a:p>
-            <a:pPr lvl="1"/>
-            <a:r>
-              <a:rPr kumimoji="1" lang="ja-JP" altLang="en-US" dirty="0"/>
-              <a:t>締め切り：来週の講義開始時まで</a:t>
-            </a:r>
-            <a:endParaRPr kumimoji="1" lang="en-US" altLang="ja-JP" dirty="0"/>
-          </a:p>
-          <a:p>
-            <a:r>
-              <a:rPr lang="ja-JP" altLang="en-US" dirty="0"/>
-              <a:t>注意：</a:t>
-            </a:r>
-            <a:endParaRPr lang="en-US" altLang="ja-JP" dirty="0"/>
-          </a:p>
-          <a:p>
-            <a:pPr lvl="1"/>
-            <a:r>
-              <a:rPr lang="ja-JP" altLang="en-US" dirty="0"/>
-              <a:t>これは必須です（成績に影響します）</a:t>
-            </a:r>
-            <a:endParaRPr kumimoji="1" lang="en-US" dirty="0"/>
-          </a:p>
-        </p:txBody>
-      </p:sp>
-    </p:spTree>
-    <p:extLst>
-      <p:ext uri="{BB962C8B-B14F-4D97-AF65-F5344CB8AC3E}">
-        <p14:creationId xmlns:p14="http://schemas.microsoft.com/office/powerpoint/2010/main" val="2261782649"/>
       </p:ext>
     </p:extLst>
   </p:cSld>
@@ -16902,6 +17412,145 @@
     <p:extLst>
       <p:ext uri="{BB962C8B-B14F-4D97-AF65-F5344CB8AC3E}">
         <p14:creationId xmlns:p14="http://schemas.microsoft.com/office/powerpoint/2010/main" val="2853061257"/>
+      </p:ext>
+    </p:extLst>
+  </p:cSld>
+  <p:clrMapOvr>
+    <a:masterClrMapping/>
+  </p:clrMapOvr>
+  <mc:AlternateContent xmlns:mc="http://schemas.openxmlformats.org/markup-compatibility/2006" xmlns:p14="http://schemas.microsoft.com/office/powerpoint/2010/main">
+    <mc:Choice Requires="p14">
+      <p:transition p14:dur="10"/>
+    </mc:Choice>
+    <mc:Fallback xmlns="">
+      <p:transition/>
+    </mc:Fallback>
+  </mc:AlternateContent>
+</p:sld>
+</file>
+
+<file path=ppt/slides/slide50.xml><?xml version="1.0" encoding="utf-8"?>
+<p:sld xmlns:a="http://schemas.openxmlformats.org/drawingml/2006/main" xmlns:r="http://schemas.openxmlformats.org/officeDocument/2006/relationships" xmlns:p="http://schemas.openxmlformats.org/presentationml/2006/main">
+  <p:cSld>
+    <p:spTree>
+      <p:nvGrpSpPr>
+        <p:cNvPr id="1" name=""/>
+        <p:cNvGrpSpPr/>
+        <p:nvPr/>
+      </p:nvGrpSpPr>
+      <p:grpSpPr>
+        <a:xfrm>
+          <a:off x="0" y="0"/>
+          <a:ext cx="0" cy="0"/>
+          <a:chOff x="0" y="0"/>
+          <a:chExt cx="0" cy="0"/>
+        </a:xfrm>
+      </p:grpSpPr>
+      <p:sp>
+        <p:nvSpPr>
+          <p:cNvPr id="2" name="タイトル 1">
+            <a:extLst>
+              <a:ext uri="{FF2B5EF4-FFF2-40B4-BE49-F238E27FC236}">
+                <a16:creationId xmlns:a16="http://schemas.microsoft.com/office/drawing/2014/main" id="{D21D1C6A-AC4B-359E-389F-80FB0786D10A}"/>
+              </a:ext>
+            </a:extLst>
+          </p:cNvPr>
+          <p:cNvSpPr>
+            <a:spLocks noGrp="1"/>
+          </p:cNvSpPr>
+          <p:nvPr>
+            <p:ph type="title"/>
+          </p:nvPr>
+        </p:nvSpPr>
+        <p:spPr/>
+        <p:txBody>
+          <a:bodyPr/>
+          <a:lstStyle/>
+          <a:p>
+            <a:r>
+              <a:rPr kumimoji="1" lang="ja-JP" altLang="en-US" dirty="0"/>
+              <a:t>課題</a:t>
+            </a:r>
+            <a:endParaRPr kumimoji="1" lang="en-US" dirty="0"/>
+          </a:p>
+        </p:txBody>
+      </p:sp>
+      <p:sp>
+        <p:nvSpPr>
+          <p:cNvPr id="3" name="コンテンツ プレースホルダー 2">
+            <a:extLst>
+              <a:ext uri="{FF2B5EF4-FFF2-40B4-BE49-F238E27FC236}">
+                <a16:creationId xmlns:a16="http://schemas.microsoft.com/office/drawing/2014/main" id="{B171FBA6-7482-3F67-1F81-B0AD70367ED7}"/>
+              </a:ext>
+            </a:extLst>
+          </p:cNvPr>
+          <p:cNvSpPr>
+            <a:spLocks noGrp="1"/>
+          </p:cNvSpPr>
+          <p:nvPr>
+            <p:ph sz="quarter" idx="10"/>
+          </p:nvPr>
+        </p:nvSpPr>
+        <p:spPr/>
+        <p:txBody>
+          <a:bodyPr/>
+          <a:lstStyle/>
+          <a:p>
+            <a:r>
+              <a:rPr kumimoji="1" lang="ja-JP" altLang="en-US" dirty="0"/>
+              <a:t>感想や質問を投稿してください</a:t>
+            </a:r>
+            <a:endParaRPr kumimoji="1" lang="en-US" altLang="ja-JP" dirty="0"/>
+          </a:p>
+          <a:p>
+            <a:pPr lvl="1"/>
+            <a:r>
+              <a:rPr kumimoji="1" lang="en-US" altLang="ja-JP" dirty="0"/>
+              <a:t>Moodle </a:t>
+            </a:r>
+            <a:r>
+              <a:rPr kumimoji="1" lang="ja-JP" altLang="en-US" dirty="0"/>
+              <a:t>の「感想や質問」のところからお願いします</a:t>
+            </a:r>
+            <a:endParaRPr kumimoji="1" lang="en-US" altLang="ja-JP" dirty="0"/>
+          </a:p>
+          <a:p>
+            <a:pPr lvl="1"/>
+            <a:r>
+              <a:rPr kumimoji="1" lang="ja-JP" altLang="en-US" dirty="0"/>
+              <a:t>締め切り：来週の講義開始時まで</a:t>
+            </a:r>
+            <a:endParaRPr kumimoji="1" lang="en-US" altLang="ja-JP" dirty="0"/>
+          </a:p>
+          <a:p>
+            <a:r>
+              <a:rPr lang="ja-JP" altLang="en-US" dirty="0"/>
+              <a:t>注意：</a:t>
+            </a:r>
+            <a:endParaRPr lang="en-US" altLang="ja-JP" dirty="0"/>
+          </a:p>
+          <a:p>
+            <a:pPr lvl="1"/>
+            <a:r>
+              <a:rPr lang="ja-JP" altLang="en-US" dirty="0">
+                <a:solidFill>
+                  <a:schemeClr val="accent6"/>
+                </a:solidFill>
+              </a:rPr>
+              <a:t>これは必須です（成績に影響します）</a:t>
+            </a:r>
+            <a:endParaRPr kumimoji="1" lang="en-US" dirty="0">
+              <a:solidFill>
+                <a:schemeClr val="accent6"/>
+              </a:solidFill>
+            </a:endParaRPr>
+          </a:p>
+        </p:txBody>
+      </p:sp>
+    </p:spTree>
+    <p:extLst>
+      <p:ext uri="{BB962C8B-B14F-4D97-AF65-F5344CB8AC3E}">
+        <p14:creationId xmlns:p14="http://schemas.microsoft.com/office/powerpoint/2010/main" val="2261782649"/>
       </p:ext>
     </p:extLst>
   </p:cSld>
@@ -17250,7 +17899,22 @@
             <a:pPr lvl="1"/>
             <a:r>
               <a:rPr kumimoji="1" lang="ja-JP" altLang="en-US" dirty="0"/>
-              <a:t>塩谷より前の講義はこの教科書の内容に沿っていた･･･ らしい</a:t>
+              <a:t>塩谷より前（</a:t>
+            </a:r>
+            <a:r>
+              <a:rPr kumimoji="1" lang="en-US" altLang="ja-JP" dirty="0"/>
+              <a:t>2022</a:t>
+            </a:r>
+            <a:r>
+              <a:rPr kumimoji="1" lang="ja-JP" altLang="en-US" dirty="0"/>
+              <a:t>年まで）の講義はこの教科書の内容に</a:t>
+            </a:r>
+            <a:br>
+              <a:rPr kumimoji="1" lang="en-US" altLang="ja-JP" dirty="0"/>
+            </a:br>
+            <a:r>
+              <a:rPr kumimoji="1" lang="ja-JP" altLang="en-US" dirty="0"/>
+              <a:t>沿っていた･･･ らしい</a:t>
             </a:r>
             <a:endParaRPr kumimoji="1" lang="en-US" altLang="ja-JP" dirty="0"/>
           </a:p>
@@ -17345,7 +18009,7 @@
           <a:p>
             <a:r>
               <a:rPr kumimoji="1" lang="ja-JP" altLang="en-US" dirty="0"/>
-              <a:t>参考資料２</a:t>
+              <a:t>参考資料２：パタヘネとヘネパタは違う</a:t>
             </a:r>
             <a:endParaRPr kumimoji="1" lang="en-US" dirty="0"/>
           </a:p>
@@ -17414,7 +18078,7 @@
             <a:r>
               <a:rPr kumimoji="1" lang="ja-JP" altLang="en-US" b="1" dirty="0">
                 <a:solidFill>
-                  <a:schemeClr val="accent3"/>
+                  <a:schemeClr val="accent5"/>
                 </a:solidFill>
               </a:rPr>
               <a:t>パタ</a:t>
@@ -17444,10 +18108,10 @@
           <a:p>
             <a:pPr lvl="1"/>
             <a:r>
-              <a:rPr kumimoji="1" lang="ja-JP" altLang="en-US" dirty="0"/>
+              <a:rPr kumimoji="1" lang="ja-JP" altLang="en-US" b="1" dirty="0"/>
               <a:t>こっちの方が基礎的</a:t>
             </a:r>
-            <a:endParaRPr kumimoji="1" lang="en-US" altLang="ja-JP" dirty="0"/>
+            <a:endParaRPr kumimoji="1" lang="en-US" altLang="ja-JP" b="1" dirty="0"/>
           </a:p>
           <a:p>
             <a:r>
@@ -17496,7 +18160,7 @@
             <a:r>
               <a:rPr kumimoji="1" lang="ja-JP" altLang="en-US" b="1" dirty="0">
                 <a:solidFill>
-                  <a:schemeClr val="accent3"/>
+                  <a:schemeClr val="accent5"/>
                 </a:solidFill>
               </a:rPr>
               <a:t>パタ</a:t>
@@ -17518,10 +18182,10 @@
           <a:p>
             <a:pPr lvl="1"/>
             <a:r>
-              <a:rPr kumimoji="1" lang="ja-JP" altLang="en-US" dirty="0"/>
+              <a:rPr kumimoji="1" lang="ja-JP" altLang="en-US" b="1" dirty="0"/>
               <a:t>こっちの方が難しい</a:t>
             </a:r>
-            <a:endParaRPr kumimoji="1" lang="en-US" altLang="ja-JP" dirty="0"/>
+            <a:endParaRPr kumimoji="1" lang="en-US" altLang="ja-JP" b="1" dirty="0"/>
           </a:p>
         </p:txBody>
       </p:sp>
